--- a/ppt 16-9/0559.你说过.pptx
+++ b/ppt 16-9/0559.你说过.pptx
@@ -129,7 +129,7 @@
           <p:cNvPr id="2" name="标题 1">
             <a:extLst>
               <a:ext uri="{FF2B5EF4-FFF2-40B4-BE49-F238E27FC236}">
-                <a16:creationId xmlns:a16="http://schemas.microsoft.com/office/drawing/2014/main" id="{8246B498-AD39-DC5A-12DB-9D9C03400B46}"/>
+                <a16:creationId xmlns:a16="http://schemas.microsoft.com/office/drawing/2014/main" id="{64EC3D60-0407-2DFE-AB36-9009F73BA8AE}"/>
               </a:ext>
             </a:extLst>
           </p:cNvPr>
@@ -166,7 +166,7 @@
           <p:cNvPr id="3" name="副标题 2">
             <a:extLst>
               <a:ext uri="{FF2B5EF4-FFF2-40B4-BE49-F238E27FC236}">
-                <a16:creationId xmlns:a16="http://schemas.microsoft.com/office/drawing/2014/main" id="{118A6C69-C224-5BB3-10D1-3942C34C2A81}"/>
+                <a16:creationId xmlns:a16="http://schemas.microsoft.com/office/drawing/2014/main" id="{4D68E96C-216E-8049-1363-1A1C85049597}"/>
               </a:ext>
             </a:extLst>
           </p:cNvPr>
@@ -236,7 +236,7 @@
           <p:cNvPr id="4" name="日期占位符 3">
             <a:extLst>
               <a:ext uri="{FF2B5EF4-FFF2-40B4-BE49-F238E27FC236}">
-                <a16:creationId xmlns:a16="http://schemas.microsoft.com/office/drawing/2014/main" id="{65FBF998-DCF5-F8C8-195B-B0A42DBD87B5}"/>
+                <a16:creationId xmlns:a16="http://schemas.microsoft.com/office/drawing/2014/main" id="{684FD2C3-6C7E-DA41-B3BA-429942A223F4}"/>
               </a:ext>
             </a:extLst>
           </p:cNvPr>
@@ -252,7 +252,7 @@
           <a:bodyPr/>
           <a:lstStyle/>
           <a:p>
-            <a:fld id="{CE693B3E-90B8-4DE5-95D6-B05DCA9D3806}" type="datetimeFigureOut">
+            <a:fld id="{6BDC945E-9D4F-45A7-A5E9-856A2DEE6037}" type="datetimeFigureOut">
               <a:rPr lang="zh-CN" altLang="en-US" smtClean="0"/>
               <a:t>2024/3/10</a:t>
             </a:fld>
@@ -265,7 +265,7 @@
           <p:cNvPr id="5" name="页脚占位符 4">
             <a:extLst>
               <a:ext uri="{FF2B5EF4-FFF2-40B4-BE49-F238E27FC236}">
-                <a16:creationId xmlns:a16="http://schemas.microsoft.com/office/drawing/2014/main" id="{B9231719-9596-D08C-2899-496A8C20CD62}"/>
+                <a16:creationId xmlns:a16="http://schemas.microsoft.com/office/drawing/2014/main" id="{4EC29D8A-38BE-82AD-B88A-83FD57E23837}"/>
               </a:ext>
             </a:extLst>
           </p:cNvPr>
@@ -290,7 +290,7 @@
           <p:cNvPr id="6" name="灯片编号占位符 5">
             <a:extLst>
               <a:ext uri="{FF2B5EF4-FFF2-40B4-BE49-F238E27FC236}">
-                <a16:creationId xmlns:a16="http://schemas.microsoft.com/office/drawing/2014/main" id="{F4DF8CB2-3DEA-31C5-A892-08F5D3CB9019}"/>
+                <a16:creationId xmlns:a16="http://schemas.microsoft.com/office/drawing/2014/main" id="{3966EDBB-9886-2330-24D7-3FDCBE60E84A}"/>
               </a:ext>
             </a:extLst>
           </p:cNvPr>
@@ -306,7 +306,7 @@
           <a:bodyPr/>
           <a:lstStyle/>
           <a:p>
-            <a:fld id="{EBFB9826-3436-4FEA-ABD4-73B925B1F6C3}" type="slidenum">
+            <a:fld id="{16E4C6D2-CC9F-48B8-9443-13DEDEA6E0EB}" type="slidenum">
               <a:rPr lang="zh-CN" altLang="en-US" smtClean="0"/>
               <a:t>‹#›</a:t>
             </a:fld>
@@ -317,7 +317,7 @@
     </p:spTree>
     <p:extLst>
       <p:ext uri="{BB962C8B-B14F-4D97-AF65-F5344CB8AC3E}">
-        <p14:creationId xmlns:p14="http://schemas.microsoft.com/office/powerpoint/2010/main" val="586502794"/>
+        <p14:creationId xmlns:p14="http://schemas.microsoft.com/office/powerpoint/2010/main" val="1935063123"/>
       </p:ext>
     </p:extLst>
   </p:cSld>
@@ -349,7 +349,7 @@
           <p:cNvPr id="2" name="标题 1">
             <a:extLst>
               <a:ext uri="{FF2B5EF4-FFF2-40B4-BE49-F238E27FC236}">
-                <a16:creationId xmlns:a16="http://schemas.microsoft.com/office/drawing/2014/main" id="{73921E36-3EB4-C7A7-4FE2-2BC0171B80DE}"/>
+                <a16:creationId xmlns:a16="http://schemas.microsoft.com/office/drawing/2014/main" id="{0ADAA2C4-D7B3-CE4E-75BF-0ACC63A762DF}"/>
               </a:ext>
             </a:extLst>
           </p:cNvPr>
@@ -377,7 +377,7 @@
           <p:cNvPr id="3" name="竖排文字占位符 2">
             <a:extLst>
               <a:ext uri="{FF2B5EF4-FFF2-40B4-BE49-F238E27FC236}">
-                <a16:creationId xmlns:a16="http://schemas.microsoft.com/office/drawing/2014/main" id="{53AFDE69-127D-02F2-47A2-06021DB75A0B}"/>
+                <a16:creationId xmlns:a16="http://schemas.microsoft.com/office/drawing/2014/main" id="{908038E4-5721-AEAA-0CDE-79F45C77CA67}"/>
               </a:ext>
             </a:extLst>
           </p:cNvPr>
@@ -434,7 +434,7 @@
           <p:cNvPr id="4" name="日期占位符 3">
             <a:extLst>
               <a:ext uri="{FF2B5EF4-FFF2-40B4-BE49-F238E27FC236}">
-                <a16:creationId xmlns:a16="http://schemas.microsoft.com/office/drawing/2014/main" id="{C60C52C2-60D1-111B-9A60-9E1122653B88}"/>
+                <a16:creationId xmlns:a16="http://schemas.microsoft.com/office/drawing/2014/main" id="{ED7FAE4C-0C52-E939-7460-3781E730AAA8}"/>
               </a:ext>
             </a:extLst>
           </p:cNvPr>
@@ -450,7 +450,7 @@
           <a:bodyPr/>
           <a:lstStyle/>
           <a:p>
-            <a:fld id="{CE693B3E-90B8-4DE5-95D6-B05DCA9D3806}" type="datetimeFigureOut">
+            <a:fld id="{6BDC945E-9D4F-45A7-A5E9-856A2DEE6037}" type="datetimeFigureOut">
               <a:rPr lang="zh-CN" altLang="en-US" smtClean="0"/>
               <a:t>2024/3/10</a:t>
             </a:fld>
@@ -463,7 +463,7 @@
           <p:cNvPr id="5" name="页脚占位符 4">
             <a:extLst>
               <a:ext uri="{FF2B5EF4-FFF2-40B4-BE49-F238E27FC236}">
-                <a16:creationId xmlns:a16="http://schemas.microsoft.com/office/drawing/2014/main" id="{4F535B0D-34F3-CA2E-6862-D53DB82A09C3}"/>
+                <a16:creationId xmlns:a16="http://schemas.microsoft.com/office/drawing/2014/main" id="{1C6E93B5-22D4-2D6A-30E2-E8AA69693B92}"/>
               </a:ext>
             </a:extLst>
           </p:cNvPr>
@@ -488,7 +488,7 @@
           <p:cNvPr id="6" name="灯片编号占位符 5">
             <a:extLst>
               <a:ext uri="{FF2B5EF4-FFF2-40B4-BE49-F238E27FC236}">
-                <a16:creationId xmlns:a16="http://schemas.microsoft.com/office/drawing/2014/main" id="{3DCE000F-ADB3-02A5-7AED-5F7EF87E5040}"/>
+                <a16:creationId xmlns:a16="http://schemas.microsoft.com/office/drawing/2014/main" id="{02F723D0-63AC-5A35-AE0F-3F7533DBDD02}"/>
               </a:ext>
             </a:extLst>
           </p:cNvPr>
@@ -504,7 +504,7 @@
           <a:bodyPr/>
           <a:lstStyle/>
           <a:p>
-            <a:fld id="{EBFB9826-3436-4FEA-ABD4-73B925B1F6C3}" type="slidenum">
+            <a:fld id="{16E4C6D2-CC9F-48B8-9443-13DEDEA6E0EB}" type="slidenum">
               <a:rPr lang="zh-CN" altLang="en-US" smtClean="0"/>
               <a:t>‹#›</a:t>
             </a:fld>
@@ -515,7 +515,7 @@
     </p:spTree>
     <p:extLst>
       <p:ext uri="{BB962C8B-B14F-4D97-AF65-F5344CB8AC3E}">
-        <p14:creationId xmlns:p14="http://schemas.microsoft.com/office/powerpoint/2010/main" val="1076513728"/>
+        <p14:creationId xmlns:p14="http://schemas.microsoft.com/office/powerpoint/2010/main" val="780758205"/>
       </p:ext>
     </p:extLst>
   </p:cSld>
@@ -547,7 +547,7 @@
           <p:cNvPr id="2" name="竖排标题 1">
             <a:extLst>
               <a:ext uri="{FF2B5EF4-FFF2-40B4-BE49-F238E27FC236}">
-                <a16:creationId xmlns:a16="http://schemas.microsoft.com/office/drawing/2014/main" id="{6CB9E192-B715-8A92-B9E2-016DD770200C}"/>
+                <a16:creationId xmlns:a16="http://schemas.microsoft.com/office/drawing/2014/main" id="{3FE8E551-8F86-3C7C-18E2-81C66C5AE098}"/>
               </a:ext>
             </a:extLst>
           </p:cNvPr>
@@ -580,7 +580,7 @@
           <p:cNvPr id="3" name="竖排文字占位符 2">
             <a:extLst>
               <a:ext uri="{FF2B5EF4-FFF2-40B4-BE49-F238E27FC236}">
-                <a16:creationId xmlns:a16="http://schemas.microsoft.com/office/drawing/2014/main" id="{16614DAC-E8B7-759E-F145-E1B736D5B8AF}"/>
+                <a16:creationId xmlns:a16="http://schemas.microsoft.com/office/drawing/2014/main" id="{02E02D8F-16B4-FE8E-C1EC-1147CB1ECE3B}"/>
               </a:ext>
             </a:extLst>
           </p:cNvPr>
@@ -642,7 +642,7 @@
           <p:cNvPr id="4" name="日期占位符 3">
             <a:extLst>
               <a:ext uri="{FF2B5EF4-FFF2-40B4-BE49-F238E27FC236}">
-                <a16:creationId xmlns:a16="http://schemas.microsoft.com/office/drawing/2014/main" id="{04EEE3E2-1AEA-B01F-53F7-EB9007182AF1}"/>
+                <a16:creationId xmlns:a16="http://schemas.microsoft.com/office/drawing/2014/main" id="{869995E6-A7C7-F43D-876A-F7EDC7779C1F}"/>
               </a:ext>
             </a:extLst>
           </p:cNvPr>
@@ -658,7 +658,7 @@
           <a:bodyPr/>
           <a:lstStyle/>
           <a:p>
-            <a:fld id="{CE693B3E-90B8-4DE5-95D6-B05DCA9D3806}" type="datetimeFigureOut">
+            <a:fld id="{6BDC945E-9D4F-45A7-A5E9-856A2DEE6037}" type="datetimeFigureOut">
               <a:rPr lang="zh-CN" altLang="en-US" smtClean="0"/>
               <a:t>2024/3/10</a:t>
             </a:fld>
@@ -671,7 +671,7 @@
           <p:cNvPr id="5" name="页脚占位符 4">
             <a:extLst>
               <a:ext uri="{FF2B5EF4-FFF2-40B4-BE49-F238E27FC236}">
-                <a16:creationId xmlns:a16="http://schemas.microsoft.com/office/drawing/2014/main" id="{9FD60469-9C2D-3B4E-F053-FB839E569B53}"/>
+                <a16:creationId xmlns:a16="http://schemas.microsoft.com/office/drawing/2014/main" id="{0E36A2E6-B2AD-6081-A567-FB818254C8E6}"/>
               </a:ext>
             </a:extLst>
           </p:cNvPr>
@@ -696,7 +696,7 @@
           <p:cNvPr id="6" name="灯片编号占位符 5">
             <a:extLst>
               <a:ext uri="{FF2B5EF4-FFF2-40B4-BE49-F238E27FC236}">
-                <a16:creationId xmlns:a16="http://schemas.microsoft.com/office/drawing/2014/main" id="{1CCF245C-F52F-227E-D90F-2065C9886484}"/>
+                <a16:creationId xmlns:a16="http://schemas.microsoft.com/office/drawing/2014/main" id="{37273475-CD3C-4721-A43A-86F25A54B557}"/>
               </a:ext>
             </a:extLst>
           </p:cNvPr>
@@ -712,7 +712,7 @@
           <a:bodyPr/>
           <a:lstStyle/>
           <a:p>
-            <a:fld id="{EBFB9826-3436-4FEA-ABD4-73B925B1F6C3}" type="slidenum">
+            <a:fld id="{16E4C6D2-CC9F-48B8-9443-13DEDEA6E0EB}" type="slidenum">
               <a:rPr lang="zh-CN" altLang="en-US" smtClean="0"/>
               <a:t>‹#›</a:t>
             </a:fld>
@@ -723,7 +723,7 @@
     </p:spTree>
     <p:extLst>
       <p:ext uri="{BB962C8B-B14F-4D97-AF65-F5344CB8AC3E}">
-        <p14:creationId xmlns:p14="http://schemas.microsoft.com/office/powerpoint/2010/main" val="3842920575"/>
+        <p14:creationId xmlns:p14="http://schemas.microsoft.com/office/powerpoint/2010/main" val="2538509740"/>
       </p:ext>
     </p:extLst>
   </p:cSld>
@@ -755,7 +755,7 @@
           <p:cNvPr id="2" name="标题 1">
             <a:extLst>
               <a:ext uri="{FF2B5EF4-FFF2-40B4-BE49-F238E27FC236}">
-                <a16:creationId xmlns:a16="http://schemas.microsoft.com/office/drawing/2014/main" id="{DAAE7C1A-8FF0-9D11-41B5-B4E6440D0087}"/>
+                <a16:creationId xmlns:a16="http://schemas.microsoft.com/office/drawing/2014/main" id="{5DD09B03-D337-2E50-1B3F-74FCFCB4ECD1}"/>
               </a:ext>
             </a:extLst>
           </p:cNvPr>
@@ -783,7 +783,7 @@
           <p:cNvPr id="3" name="内容占位符 2">
             <a:extLst>
               <a:ext uri="{FF2B5EF4-FFF2-40B4-BE49-F238E27FC236}">
-                <a16:creationId xmlns:a16="http://schemas.microsoft.com/office/drawing/2014/main" id="{611085BA-2E7D-F2CF-AF57-67B6DDB9FB5C}"/>
+                <a16:creationId xmlns:a16="http://schemas.microsoft.com/office/drawing/2014/main" id="{31D07D07-B94A-E1C8-73CF-5646A3BD4474}"/>
               </a:ext>
             </a:extLst>
           </p:cNvPr>
@@ -840,7 +840,7 @@
           <p:cNvPr id="4" name="日期占位符 3">
             <a:extLst>
               <a:ext uri="{FF2B5EF4-FFF2-40B4-BE49-F238E27FC236}">
-                <a16:creationId xmlns:a16="http://schemas.microsoft.com/office/drawing/2014/main" id="{1D3CDEAE-9AFC-319E-9EB4-9AE6A5D21A62}"/>
+                <a16:creationId xmlns:a16="http://schemas.microsoft.com/office/drawing/2014/main" id="{FC9AD384-CFD7-6E62-5FBD-D218881970B7}"/>
               </a:ext>
             </a:extLst>
           </p:cNvPr>
@@ -856,7 +856,7 @@
           <a:bodyPr/>
           <a:lstStyle/>
           <a:p>
-            <a:fld id="{CE693B3E-90B8-4DE5-95D6-B05DCA9D3806}" type="datetimeFigureOut">
+            <a:fld id="{6BDC945E-9D4F-45A7-A5E9-856A2DEE6037}" type="datetimeFigureOut">
               <a:rPr lang="zh-CN" altLang="en-US" smtClean="0"/>
               <a:t>2024/3/10</a:t>
             </a:fld>
@@ -869,7 +869,7 @@
           <p:cNvPr id="5" name="页脚占位符 4">
             <a:extLst>
               <a:ext uri="{FF2B5EF4-FFF2-40B4-BE49-F238E27FC236}">
-                <a16:creationId xmlns:a16="http://schemas.microsoft.com/office/drawing/2014/main" id="{8ACE918C-DA9B-E98F-0668-F15D9B7FA5F0}"/>
+                <a16:creationId xmlns:a16="http://schemas.microsoft.com/office/drawing/2014/main" id="{F90F1263-F40F-EF65-EBF0-64F31587151A}"/>
               </a:ext>
             </a:extLst>
           </p:cNvPr>
@@ -894,7 +894,7 @@
           <p:cNvPr id="6" name="灯片编号占位符 5">
             <a:extLst>
               <a:ext uri="{FF2B5EF4-FFF2-40B4-BE49-F238E27FC236}">
-                <a16:creationId xmlns:a16="http://schemas.microsoft.com/office/drawing/2014/main" id="{88A30627-EA54-3169-70B7-C4C65E5F4FFA}"/>
+                <a16:creationId xmlns:a16="http://schemas.microsoft.com/office/drawing/2014/main" id="{7C579EBF-5096-9E91-6053-4E317E6BF22E}"/>
               </a:ext>
             </a:extLst>
           </p:cNvPr>
@@ -910,7 +910,7 @@
           <a:bodyPr/>
           <a:lstStyle/>
           <a:p>
-            <a:fld id="{EBFB9826-3436-4FEA-ABD4-73B925B1F6C3}" type="slidenum">
+            <a:fld id="{16E4C6D2-CC9F-48B8-9443-13DEDEA6E0EB}" type="slidenum">
               <a:rPr lang="zh-CN" altLang="en-US" smtClean="0"/>
               <a:t>‹#›</a:t>
             </a:fld>
@@ -921,7 +921,7 @@
     </p:spTree>
     <p:extLst>
       <p:ext uri="{BB962C8B-B14F-4D97-AF65-F5344CB8AC3E}">
-        <p14:creationId xmlns:p14="http://schemas.microsoft.com/office/powerpoint/2010/main" val="569286992"/>
+        <p14:creationId xmlns:p14="http://schemas.microsoft.com/office/powerpoint/2010/main" val="1635288032"/>
       </p:ext>
     </p:extLst>
   </p:cSld>
@@ -953,7 +953,7 @@
           <p:cNvPr id="2" name="标题 1">
             <a:extLst>
               <a:ext uri="{FF2B5EF4-FFF2-40B4-BE49-F238E27FC236}">
-                <a16:creationId xmlns:a16="http://schemas.microsoft.com/office/drawing/2014/main" id="{5A960C34-5AA6-292E-3103-3B262DC8D6C9}"/>
+                <a16:creationId xmlns:a16="http://schemas.microsoft.com/office/drawing/2014/main" id="{F06F1D4F-689E-AC88-63A7-5953285E71F1}"/>
               </a:ext>
             </a:extLst>
           </p:cNvPr>
@@ -990,7 +990,7 @@
           <p:cNvPr id="3" name="文本占位符 2">
             <a:extLst>
               <a:ext uri="{FF2B5EF4-FFF2-40B4-BE49-F238E27FC236}">
-                <a16:creationId xmlns:a16="http://schemas.microsoft.com/office/drawing/2014/main" id="{0B739362-3814-DC1D-9179-6D6AEA9CDB3B}"/>
+                <a16:creationId xmlns:a16="http://schemas.microsoft.com/office/drawing/2014/main" id="{28FA4E53-527D-744D-2ED4-8D65EDBC75F0}"/>
               </a:ext>
             </a:extLst>
           </p:cNvPr>
@@ -1115,7 +1115,7 @@
           <p:cNvPr id="4" name="日期占位符 3">
             <a:extLst>
               <a:ext uri="{FF2B5EF4-FFF2-40B4-BE49-F238E27FC236}">
-                <a16:creationId xmlns:a16="http://schemas.microsoft.com/office/drawing/2014/main" id="{EA2356B5-B3FA-645D-636A-8AFB5C95CE80}"/>
+                <a16:creationId xmlns:a16="http://schemas.microsoft.com/office/drawing/2014/main" id="{AA9D7DEA-5A12-43BA-DD95-EAAC47F6C991}"/>
               </a:ext>
             </a:extLst>
           </p:cNvPr>
@@ -1131,7 +1131,7 @@
           <a:bodyPr/>
           <a:lstStyle/>
           <a:p>
-            <a:fld id="{CE693B3E-90B8-4DE5-95D6-B05DCA9D3806}" type="datetimeFigureOut">
+            <a:fld id="{6BDC945E-9D4F-45A7-A5E9-856A2DEE6037}" type="datetimeFigureOut">
               <a:rPr lang="zh-CN" altLang="en-US" smtClean="0"/>
               <a:t>2024/3/10</a:t>
             </a:fld>
@@ -1144,7 +1144,7 @@
           <p:cNvPr id="5" name="页脚占位符 4">
             <a:extLst>
               <a:ext uri="{FF2B5EF4-FFF2-40B4-BE49-F238E27FC236}">
-                <a16:creationId xmlns:a16="http://schemas.microsoft.com/office/drawing/2014/main" id="{D7E4F2A5-4501-14DD-61C6-135A440BFCE0}"/>
+                <a16:creationId xmlns:a16="http://schemas.microsoft.com/office/drawing/2014/main" id="{081BFCE6-68F6-B3A0-E2A5-F70B6AF470F2}"/>
               </a:ext>
             </a:extLst>
           </p:cNvPr>
@@ -1169,7 +1169,7 @@
           <p:cNvPr id="6" name="灯片编号占位符 5">
             <a:extLst>
               <a:ext uri="{FF2B5EF4-FFF2-40B4-BE49-F238E27FC236}">
-                <a16:creationId xmlns:a16="http://schemas.microsoft.com/office/drawing/2014/main" id="{FCF8DA6B-DF84-37DB-582E-0F88D99B8B34}"/>
+                <a16:creationId xmlns:a16="http://schemas.microsoft.com/office/drawing/2014/main" id="{B58C7028-DC06-19B6-A48C-9319F7D2151D}"/>
               </a:ext>
             </a:extLst>
           </p:cNvPr>
@@ -1185,7 +1185,7 @@
           <a:bodyPr/>
           <a:lstStyle/>
           <a:p>
-            <a:fld id="{EBFB9826-3436-4FEA-ABD4-73B925B1F6C3}" type="slidenum">
+            <a:fld id="{16E4C6D2-CC9F-48B8-9443-13DEDEA6E0EB}" type="slidenum">
               <a:rPr lang="zh-CN" altLang="en-US" smtClean="0"/>
               <a:t>‹#›</a:t>
             </a:fld>
@@ -1196,7 +1196,7 @@
     </p:spTree>
     <p:extLst>
       <p:ext uri="{BB962C8B-B14F-4D97-AF65-F5344CB8AC3E}">
-        <p14:creationId xmlns:p14="http://schemas.microsoft.com/office/powerpoint/2010/main" val="1625750694"/>
+        <p14:creationId xmlns:p14="http://schemas.microsoft.com/office/powerpoint/2010/main" val="805559525"/>
       </p:ext>
     </p:extLst>
   </p:cSld>
@@ -1228,7 +1228,7 @@
           <p:cNvPr id="2" name="标题 1">
             <a:extLst>
               <a:ext uri="{FF2B5EF4-FFF2-40B4-BE49-F238E27FC236}">
-                <a16:creationId xmlns:a16="http://schemas.microsoft.com/office/drawing/2014/main" id="{0E3B04A1-164D-62EE-C64E-AABA69F9363B}"/>
+                <a16:creationId xmlns:a16="http://schemas.microsoft.com/office/drawing/2014/main" id="{5EA0D3B3-29E9-B469-5819-63B8C3AB4FF7}"/>
               </a:ext>
             </a:extLst>
           </p:cNvPr>
@@ -1256,7 +1256,7 @@
           <p:cNvPr id="3" name="内容占位符 2">
             <a:extLst>
               <a:ext uri="{FF2B5EF4-FFF2-40B4-BE49-F238E27FC236}">
-                <a16:creationId xmlns:a16="http://schemas.microsoft.com/office/drawing/2014/main" id="{333EA910-1570-8628-327B-2A3F123DDF2C}"/>
+                <a16:creationId xmlns:a16="http://schemas.microsoft.com/office/drawing/2014/main" id="{EF42B942-E071-5A1C-8FB0-C3F560AAD4E3}"/>
               </a:ext>
             </a:extLst>
           </p:cNvPr>
@@ -1318,7 +1318,7 @@
           <p:cNvPr id="4" name="内容占位符 3">
             <a:extLst>
               <a:ext uri="{FF2B5EF4-FFF2-40B4-BE49-F238E27FC236}">
-                <a16:creationId xmlns:a16="http://schemas.microsoft.com/office/drawing/2014/main" id="{D15BE621-157F-6746-291A-7135307E3351}"/>
+                <a16:creationId xmlns:a16="http://schemas.microsoft.com/office/drawing/2014/main" id="{974F8E5D-B13C-1431-5D7A-F6FC651DB697}"/>
               </a:ext>
             </a:extLst>
           </p:cNvPr>
@@ -1380,7 +1380,7 @@
           <p:cNvPr id="5" name="日期占位符 4">
             <a:extLst>
               <a:ext uri="{FF2B5EF4-FFF2-40B4-BE49-F238E27FC236}">
-                <a16:creationId xmlns:a16="http://schemas.microsoft.com/office/drawing/2014/main" id="{BC6BAEBE-77A8-E1E7-54C6-8D971EF3D20F}"/>
+                <a16:creationId xmlns:a16="http://schemas.microsoft.com/office/drawing/2014/main" id="{22D6AB5A-14F6-08C5-8BEC-2BE228480B9A}"/>
               </a:ext>
             </a:extLst>
           </p:cNvPr>
@@ -1396,7 +1396,7 @@
           <a:bodyPr/>
           <a:lstStyle/>
           <a:p>
-            <a:fld id="{CE693B3E-90B8-4DE5-95D6-B05DCA9D3806}" type="datetimeFigureOut">
+            <a:fld id="{6BDC945E-9D4F-45A7-A5E9-856A2DEE6037}" type="datetimeFigureOut">
               <a:rPr lang="zh-CN" altLang="en-US" smtClean="0"/>
               <a:t>2024/3/10</a:t>
             </a:fld>
@@ -1409,7 +1409,7 @@
           <p:cNvPr id="6" name="页脚占位符 5">
             <a:extLst>
               <a:ext uri="{FF2B5EF4-FFF2-40B4-BE49-F238E27FC236}">
-                <a16:creationId xmlns:a16="http://schemas.microsoft.com/office/drawing/2014/main" id="{F336FD47-33AE-6CEC-A4CE-DF1D1C8F2537}"/>
+                <a16:creationId xmlns:a16="http://schemas.microsoft.com/office/drawing/2014/main" id="{3158EC88-4FD6-1B65-8E15-4D226F41A271}"/>
               </a:ext>
             </a:extLst>
           </p:cNvPr>
@@ -1434,7 +1434,7 @@
           <p:cNvPr id="7" name="灯片编号占位符 6">
             <a:extLst>
               <a:ext uri="{FF2B5EF4-FFF2-40B4-BE49-F238E27FC236}">
-                <a16:creationId xmlns:a16="http://schemas.microsoft.com/office/drawing/2014/main" id="{01062B67-23F7-0D20-88EA-DF980571AA8C}"/>
+                <a16:creationId xmlns:a16="http://schemas.microsoft.com/office/drawing/2014/main" id="{E3071D96-BFD4-9675-6B1E-124BE1A39EBE}"/>
               </a:ext>
             </a:extLst>
           </p:cNvPr>
@@ -1450,7 +1450,7 @@
           <a:bodyPr/>
           <a:lstStyle/>
           <a:p>
-            <a:fld id="{EBFB9826-3436-4FEA-ABD4-73B925B1F6C3}" type="slidenum">
+            <a:fld id="{16E4C6D2-CC9F-48B8-9443-13DEDEA6E0EB}" type="slidenum">
               <a:rPr lang="zh-CN" altLang="en-US" smtClean="0"/>
               <a:t>‹#›</a:t>
             </a:fld>
@@ -1461,7 +1461,7 @@
     </p:spTree>
     <p:extLst>
       <p:ext uri="{BB962C8B-B14F-4D97-AF65-F5344CB8AC3E}">
-        <p14:creationId xmlns:p14="http://schemas.microsoft.com/office/powerpoint/2010/main" val="1593983091"/>
+        <p14:creationId xmlns:p14="http://schemas.microsoft.com/office/powerpoint/2010/main" val="2367647923"/>
       </p:ext>
     </p:extLst>
   </p:cSld>
@@ -1493,7 +1493,7 @@
           <p:cNvPr id="2" name="标题 1">
             <a:extLst>
               <a:ext uri="{FF2B5EF4-FFF2-40B4-BE49-F238E27FC236}">
-                <a16:creationId xmlns:a16="http://schemas.microsoft.com/office/drawing/2014/main" id="{F8E7419F-9BC1-5D01-5932-75A0532B406F}"/>
+                <a16:creationId xmlns:a16="http://schemas.microsoft.com/office/drawing/2014/main" id="{814A48F4-81D5-D382-7505-3FBD7E10871E}"/>
               </a:ext>
             </a:extLst>
           </p:cNvPr>
@@ -1526,7 +1526,7 @@
           <p:cNvPr id="3" name="文本占位符 2">
             <a:extLst>
               <a:ext uri="{FF2B5EF4-FFF2-40B4-BE49-F238E27FC236}">
-                <a16:creationId xmlns:a16="http://schemas.microsoft.com/office/drawing/2014/main" id="{93397DAB-1FD8-E3BD-CB1B-215E3840B79B}"/>
+                <a16:creationId xmlns:a16="http://schemas.microsoft.com/office/drawing/2014/main" id="{818D3A79-55F7-C18C-1A3B-4E17F3E97F8F}"/>
               </a:ext>
             </a:extLst>
           </p:cNvPr>
@@ -1597,7 +1597,7 @@
           <p:cNvPr id="4" name="内容占位符 3">
             <a:extLst>
               <a:ext uri="{FF2B5EF4-FFF2-40B4-BE49-F238E27FC236}">
-                <a16:creationId xmlns:a16="http://schemas.microsoft.com/office/drawing/2014/main" id="{29E9F243-F73E-F75F-9B1C-20D08D513DDB}"/>
+                <a16:creationId xmlns:a16="http://schemas.microsoft.com/office/drawing/2014/main" id="{F5722BF2-0570-CF9A-0D40-3066444A15B4}"/>
               </a:ext>
             </a:extLst>
           </p:cNvPr>
@@ -1659,7 +1659,7 @@
           <p:cNvPr id="5" name="文本占位符 4">
             <a:extLst>
               <a:ext uri="{FF2B5EF4-FFF2-40B4-BE49-F238E27FC236}">
-                <a16:creationId xmlns:a16="http://schemas.microsoft.com/office/drawing/2014/main" id="{5963A8CF-244E-D390-D00F-38B90184A17E}"/>
+                <a16:creationId xmlns:a16="http://schemas.microsoft.com/office/drawing/2014/main" id="{9090DF4F-F527-F52F-D5A3-DB7D7697FF76}"/>
               </a:ext>
             </a:extLst>
           </p:cNvPr>
@@ -1730,7 +1730,7 @@
           <p:cNvPr id="6" name="内容占位符 5">
             <a:extLst>
               <a:ext uri="{FF2B5EF4-FFF2-40B4-BE49-F238E27FC236}">
-                <a16:creationId xmlns:a16="http://schemas.microsoft.com/office/drawing/2014/main" id="{2ED006BA-47F1-A694-63FB-944C272F3413}"/>
+                <a16:creationId xmlns:a16="http://schemas.microsoft.com/office/drawing/2014/main" id="{AF905134-2E96-1B1A-E995-C3F59F9A3142}"/>
               </a:ext>
             </a:extLst>
           </p:cNvPr>
@@ -1792,7 +1792,7 @@
           <p:cNvPr id="7" name="日期占位符 6">
             <a:extLst>
               <a:ext uri="{FF2B5EF4-FFF2-40B4-BE49-F238E27FC236}">
-                <a16:creationId xmlns:a16="http://schemas.microsoft.com/office/drawing/2014/main" id="{47A1C553-77BB-18BD-560F-7FB5DB4D9FF7}"/>
+                <a16:creationId xmlns:a16="http://schemas.microsoft.com/office/drawing/2014/main" id="{983A9E8E-7182-0A51-9230-676F722F9C7C}"/>
               </a:ext>
             </a:extLst>
           </p:cNvPr>
@@ -1808,7 +1808,7 @@
           <a:bodyPr/>
           <a:lstStyle/>
           <a:p>
-            <a:fld id="{CE693B3E-90B8-4DE5-95D6-B05DCA9D3806}" type="datetimeFigureOut">
+            <a:fld id="{6BDC945E-9D4F-45A7-A5E9-856A2DEE6037}" type="datetimeFigureOut">
               <a:rPr lang="zh-CN" altLang="en-US" smtClean="0"/>
               <a:t>2024/3/10</a:t>
             </a:fld>
@@ -1821,7 +1821,7 @@
           <p:cNvPr id="8" name="页脚占位符 7">
             <a:extLst>
               <a:ext uri="{FF2B5EF4-FFF2-40B4-BE49-F238E27FC236}">
-                <a16:creationId xmlns:a16="http://schemas.microsoft.com/office/drawing/2014/main" id="{191B6A6F-C451-3E16-2613-C717931F9F3D}"/>
+                <a16:creationId xmlns:a16="http://schemas.microsoft.com/office/drawing/2014/main" id="{68F54962-2427-0362-46FC-20ABB09F3AC8}"/>
               </a:ext>
             </a:extLst>
           </p:cNvPr>
@@ -1846,7 +1846,7 @@
           <p:cNvPr id="9" name="灯片编号占位符 8">
             <a:extLst>
               <a:ext uri="{FF2B5EF4-FFF2-40B4-BE49-F238E27FC236}">
-                <a16:creationId xmlns:a16="http://schemas.microsoft.com/office/drawing/2014/main" id="{83A87760-D902-9FE3-B338-ED3AD37AEB99}"/>
+                <a16:creationId xmlns:a16="http://schemas.microsoft.com/office/drawing/2014/main" id="{BDE7FBF1-7573-A8DB-A388-25422CCE1B26}"/>
               </a:ext>
             </a:extLst>
           </p:cNvPr>
@@ -1862,7 +1862,7 @@
           <a:bodyPr/>
           <a:lstStyle/>
           <a:p>
-            <a:fld id="{EBFB9826-3436-4FEA-ABD4-73B925B1F6C3}" type="slidenum">
+            <a:fld id="{16E4C6D2-CC9F-48B8-9443-13DEDEA6E0EB}" type="slidenum">
               <a:rPr lang="zh-CN" altLang="en-US" smtClean="0"/>
               <a:t>‹#›</a:t>
             </a:fld>
@@ -1873,7 +1873,7 @@
     </p:spTree>
     <p:extLst>
       <p:ext uri="{BB962C8B-B14F-4D97-AF65-F5344CB8AC3E}">
-        <p14:creationId xmlns:p14="http://schemas.microsoft.com/office/powerpoint/2010/main" val="2985242889"/>
+        <p14:creationId xmlns:p14="http://schemas.microsoft.com/office/powerpoint/2010/main" val="2569551797"/>
       </p:ext>
     </p:extLst>
   </p:cSld>
@@ -1905,7 +1905,7 @@
           <p:cNvPr id="2" name="标题 1">
             <a:extLst>
               <a:ext uri="{FF2B5EF4-FFF2-40B4-BE49-F238E27FC236}">
-                <a16:creationId xmlns:a16="http://schemas.microsoft.com/office/drawing/2014/main" id="{47F76D24-2053-C169-D6F3-5E4A0A625F42}"/>
+                <a16:creationId xmlns:a16="http://schemas.microsoft.com/office/drawing/2014/main" id="{D75262D1-8D69-905B-9966-4BA18557E778}"/>
               </a:ext>
             </a:extLst>
           </p:cNvPr>
@@ -1933,7 +1933,7 @@
           <p:cNvPr id="3" name="日期占位符 2">
             <a:extLst>
               <a:ext uri="{FF2B5EF4-FFF2-40B4-BE49-F238E27FC236}">
-                <a16:creationId xmlns:a16="http://schemas.microsoft.com/office/drawing/2014/main" id="{114899CC-AA3C-3688-FF76-EC3B41C87D0F}"/>
+                <a16:creationId xmlns:a16="http://schemas.microsoft.com/office/drawing/2014/main" id="{7458DF6E-CAAD-3733-E572-ABDDA9B3AA1B}"/>
               </a:ext>
             </a:extLst>
           </p:cNvPr>
@@ -1949,7 +1949,7 @@
           <a:bodyPr/>
           <a:lstStyle/>
           <a:p>
-            <a:fld id="{CE693B3E-90B8-4DE5-95D6-B05DCA9D3806}" type="datetimeFigureOut">
+            <a:fld id="{6BDC945E-9D4F-45A7-A5E9-856A2DEE6037}" type="datetimeFigureOut">
               <a:rPr lang="zh-CN" altLang="en-US" smtClean="0"/>
               <a:t>2024/3/10</a:t>
             </a:fld>
@@ -1962,7 +1962,7 @@
           <p:cNvPr id="4" name="页脚占位符 3">
             <a:extLst>
               <a:ext uri="{FF2B5EF4-FFF2-40B4-BE49-F238E27FC236}">
-                <a16:creationId xmlns:a16="http://schemas.microsoft.com/office/drawing/2014/main" id="{60A35182-8174-E7BD-6DD6-CE1F9A01B349}"/>
+                <a16:creationId xmlns:a16="http://schemas.microsoft.com/office/drawing/2014/main" id="{CDBAB525-0433-D4D7-2D42-5F7147D3E83F}"/>
               </a:ext>
             </a:extLst>
           </p:cNvPr>
@@ -1987,7 +1987,7 @@
           <p:cNvPr id="5" name="灯片编号占位符 4">
             <a:extLst>
               <a:ext uri="{FF2B5EF4-FFF2-40B4-BE49-F238E27FC236}">
-                <a16:creationId xmlns:a16="http://schemas.microsoft.com/office/drawing/2014/main" id="{0691F476-8027-C07C-56CA-878249C7FAF2}"/>
+                <a16:creationId xmlns:a16="http://schemas.microsoft.com/office/drawing/2014/main" id="{FD6DA628-6721-FEAA-A8D5-1E050BAFB8A6}"/>
               </a:ext>
             </a:extLst>
           </p:cNvPr>
@@ -2003,7 +2003,7 @@
           <a:bodyPr/>
           <a:lstStyle/>
           <a:p>
-            <a:fld id="{EBFB9826-3436-4FEA-ABD4-73B925B1F6C3}" type="slidenum">
+            <a:fld id="{16E4C6D2-CC9F-48B8-9443-13DEDEA6E0EB}" type="slidenum">
               <a:rPr lang="zh-CN" altLang="en-US" smtClean="0"/>
               <a:t>‹#›</a:t>
             </a:fld>
@@ -2014,7 +2014,7 @@
     </p:spTree>
     <p:extLst>
       <p:ext uri="{BB962C8B-B14F-4D97-AF65-F5344CB8AC3E}">
-        <p14:creationId xmlns:p14="http://schemas.microsoft.com/office/powerpoint/2010/main" val="4290818914"/>
+        <p14:creationId xmlns:p14="http://schemas.microsoft.com/office/powerpoint/2010/main" val="4201103896"/>
       </p:ext>
     </p:extLst>
   </p:cSld>
@@ -2046,7 +2046,7 @@
           <p:cNvPr id="2" name="日期占位符 1">
             <a:extLst>
               <a:ext uri="{FF2B5EF4-FFF2-40B4-BE49-F238E27FC236}">
-                <a16:creationId xmlns:a16="http://schemas.microsoft.com/office/drawing/2014/main" id="{C1D931C9-3210-64B7-9535-D9C27285E98D}"/>
+                <a16:creationId xmlns:a16="http://schemas.microsoft.com/office/drawing/2014/main" id="{02520F5C-41D7-A5D9-DE65-0437DA443AF7}"/>
               </a:ext>
             </a:extLst>
           </p:cNvPr>
@@ -2062,7 +2062,7 @@
           <a:bodyPr/>
           <a:lstStyle/>
           <a:p>
-            <a:fld id="{CE693B3E-90B8-4DE5-95D6-B05DCA9D3806}" type="datetimeFigureOut">
+            <a:fld id="{6BDC945E-9D4F-45A7-A5E9-856A2DEE6037}" type="datetimeFigureOut">
               <a:rPr lang="zh-CN" altLang="en-US" smtClean="0"/>
               <a:t>2024/3/10</a:t>
             </a:fld>
@@ -2075,7 +2075,7 @@
           <p:cNvPr id="3" name="页脚占位符 2">
             <a:extLst>
               <a:ext uri="{FF2B5EF4-FFF2-40B4-BE49-F238E27FC236}">
-                <a16:creationId xmlns:a16="http://schemas.microsoft.com/office/drawing/2014/main" id="{3E4C72FA-2F1F-CA39-7A44-13261E373674}"/>
+                <a16:creationId xmlns:a16="http://schemas.microsoft.com/office/drawing/2014/main" id="{770288CE-7F72-955D-E3CC-7A9669295997}"/>
               </a:ext>
             </a:extLst>
           </p:cNvPr>
@@ -2100,7 +2100,7 @@
           <p:cNvPr id="4" name="灯片编号占位符 3">
             <a:extLst>
               <a:ext uri="{FF2B5EF4-FFF2-40B4-BE49-F238E27FC236}">
-                <a16:creationId xmlns:a16="http://schemas.microsoft.com/office/drawing/2014/main" id="{240AE77A-5C2E-4943-58FB-D73F3846AB9B}"/>
+                <a16:creationId xmlns:a16="http://schemas.microsoft.com/office/drawing/2014/main" id="{2A080D99-773B-3381-D029-B2B153C63B95}"/>
               </a:ext>
             </a:extLst>
           </p:cNvPr>
@@ -2116,7 +2116,7 @@
           <a:bodyPr/>
           <a:lstStyle/>
           <a:p>
-            <a:fld id="{EBFB9826-3436-4FEA-ABD4-73B925B1F6C3}" type="slidenum">
+            <a:fld id="{16E4C6D2-CC9F-48B8-9443-13DEDEA6E0EB}" type="slidenum">
               <a:rPr lang="zh-CN" altLang="en-US" smtClean="0"/>
               <a:t>‹#›</a:t>
             </a:fld>
@@ -2127,7 +2127,7 @@
     </p:spTree>
     <p:extLst>
       <p:ext uri="{BB962C8B-B14F-4D97-AF65-F5344CB8AC3E}">
-        <p14:creationId xmlns:p14="http://schemas.microsoft.com/office/powerpoint/2010/main" val="3349475210"/>
+        <p14:creationId xmlns:p14="http://schemas.microsoft.com/office/powerpoint/2010/main" val="939026665"/>
       </p:ext>
     </p:extLst>
   </p:cSld>
@@ -2159,7 +2159,7 @@
           <p:cNvPr id="2" name="标题 1">
             <a:extLst>
               <a:ext uri="{FF2B5EF4-FFF2-40B4-BE49-F238E27FC236}">
-                <a16:creationId xmlns:a16="http://schemas.microsoft.com/office/drawing/2014/main" id="{A4FBF5CC-EB37-FD14-D629-AE1DF273AF29}"/>
+                <a16:creationId xmlns:a16="http://schemas.microsoft.com/office/drawing/2014/main" id="{ABEEEC68-7762-9F17-B3DE-F96CAEBC0E75}"/>
               </a:ext>
             </a:extLst>
           </p:cNvPr>
@@ -2196,7 +2196,7 @@
           <p:cNvPr id="3" name="内容占位符 2">
             <a:extLst>
               <a:ext uri="{FF2B5EF4-FFF2-40B4-BE49-F238E27FC236}">
-                <a16:creationId xmlns:a16="http://schemas.microsoft.com/office/drawing/2014/main" id="{FAD67944-6EA1-0D5C-3B14-D1CCA144D0F7}"/>
+                <a16:creationId xmlns:a16="http://schemas.microsoft.com/office/drawing/2014/main" id="{8854E18F-F3F2-D1BE-DC3A-2DC2AE8B3888}"/>
               </a:ext>
             </a:extLst>
           </p:cNvPr>
@@ -2286,7 +2286,7 @@
           <p:cNvPr id="4" name="文本占位符 3">
             <a:extLst>
               <a:ext uri="{FF2B5EF4-FFF2-40B4-BE49-F238E27FC236}">
-                <a16:creationId xmlns:a16="http://schemas.microsoft.com/office/drawing/2014/main" id="{E03595BD-CB27-3FC0-84FF-A5DCDB55830C}"/>
+                <a16:creationId xmlns:a16="http://schemas.microsoft.com/office/drawing/2014/main" id="{EB0DD4F4-C692-73B3-D895-B59DAB887F77}"/>
               </a:ext>
             </a:extLst>
           </p:cNvPr>
@@ -2357,7 +2357,7 @@
           <p:cNvPr id="5" name="日期占位符 4">
             <a:extLst>
               <a:ext uri="{FF2B5EF4-FFF2-40B4-BE49-F238E27FC236}">
-                <a16:creationId xmlns:a16="http://schemas.microsoft.com/office/drawing/2014/main" id="{73A7F8F6-6A7A-B496-AA9E-F67FCBF66D7B}"/>
+                <a16:creationId xmlns:a16="http://schemas.microsoft.com/office/drawing/2014/main" id="{372EE205-16CE-0063-6C7B-E366E4CD187E}"/>
               </a:ext>
             </a:extLst>
           </p:cNvPr>
@@ -2373,7 +2373,7 @@
           <a:bodyPr/>
           <a:lstStyle/>
           <a:p>
-            <a:fld id="{CE693B3E-90B8-4DE5-95D6-B05DCA9D3806}" type="datetimeFigureOut">
+            <a:fld id="{6BDC945E-9D4F-45A7-A5E9-856A2DEE6037}" type="datetimeFigureOut">
               <a:rPr lang="zh-CN" altLang="en-US" smtClean="0"/>
               <a:t>2024/3/10</a:t>
             </a:fld>
@@ -2386,7 +2386,7 @@
           <p:cNvPr id="6" name="页脚占位符 5">
             <a:extLst>
               <a:ext uri="{FF2B5EF4-FFF2-40B4-BE49-F238E27FC236}">
-                <a16:creationId xmlns:a16="http://schemas.microsoft.com/office/drawing/2014/main" id="{25157BE2-E07B-9752-215C-9BBC7A4823CD}"/>
+                <a16:creationId xmlns:a16="http://schemas.microsoft.com/office/drawing/2014/main" id="{44A6865B-2C06-9169-AD0E-104325B03467}"/>
               </a:ext>
             </a:extLst>
           </p:cNvPr>
@@ -2411,7 +2411,7 @@
           <p:cNvPr id="7" name="灯片编号占位符 6">
             <a:extLst>
               <a:ext uri="{FF2B5EF4-FFF2-40B4-BE49-F238E27FC236}">
-                <a16:creationId xmlns:a16="http://schemas.microsoft.com/office/drawing/2014/main" id="{E3FA2AE8-7D6C-5045-4247-8903AB59466F}"/>
+                <a16:creationId xmlns:a16="http://schemas.microsoft.com/office/drawing/2014/main" id="{B97325D8-4199-8476-F358-64D6A22C7914}"/>
               </a:ext>
             </a:extLst>
           </p:cNvPr>
@@ -2427,7 +2427,7 @@
           <a:bodyPr/>
           <a:lstStyle/>
           <a:p>
-            <a:fld id="{EBFB9826-3436-4FEA-ABD4-73B925B1F6C3}" type="slidenum">
+            <a:fld id="{16E4C6D2-CC9F-48B8-9443-13DEDEA6E0EB}" type="slidenum">
               <a:rPr lang="zh-CN" altLang="en-US" smtClean="0"/>
               <a:t>‹#›</a:t>
             </a:fld>
@@ -2438,7 +2438,7 @@
     </p:spTree>
     <p:extLst>
       <p:ext uri="{BB962C8B-B14F-4D97-AF65-F5344CB8AC3E}">
-        <p14:creationId xmlns:p14="http://schemas.microsoft.com/office/powerpoint/2010/main" val="2663413527"/>
+        <p14:creationId xmlns:p14="http://schemas.microsoft.com/office/powerpoint/2010/main" val="3299399882"/>
       </p:ext>
     </p:extLst>
   </p:cSld>
@@ -2470,7 +2470,7 @@
           <p:cNvPr id="2" name="标题 1">
             <a:extLst>
               <a:ext uri="{FF2B5EF4-FFF2-40B4-BE49-F238E27FC236}">
-                <a16:creationId xmlns:a16="http://schemas.microsoft.com/office/drawing/2014/main" id="{CDA1F8A0-C544-4C0C-96C4-74F961E9B204}"/>
+                <a16:creationId xmlns:a16="http://schemas.microsoft.com/office/drawing/2014/main" id="{269A4AE0-C3F7-9AAC-3388-3349AE22B40F}"/>
               </a:ext>
             </a:extLst>
           </p:cNvPr>
@@ -2507,7 +2507,7 @@
           <p:cNvPr id="3" name="图片占位符 2">
             <a:extLst>
               <a:ext uri="{FF2B5EF4-FFF2-40B4-BE49-F238E27FC236}">
-                <a16:creationId xmlns:a16="http://schemas.microsoft.com/office/drawing/2014/main" id="{4B49A8D6-8A9B-F06E-5DE0-1D9EB946B52E}"/>
+                <a16:creationId xmlns:a16="http://schemas.microsoft.com/office/drawing/2014/main" id="{47405239-B517-CEBC-C413-FD7BE8C67559}"/>
               </a:ext>
             </a:extLst>
           </p:cNvPr>
@@ -2574,7 +2574,7 @@
           <p:cNvPr id="4" name="文本占位符 3">
             <a:extLst>
               <a:ext uri="{FF2B5EF4-FFF2-40B4-BE49-F238E27FC236}">
-                <a16:creationId xmlns:a16="http://schemas.microsoft.com/office/drawing/2014/main" id="{9722A185-6501-5E1C-DDD5-C3C7A22706B0}"/>
+                <a16:creationId xmlns:a16="http://schemas.microsoft.com/office/drawing/2014/main" id="{37898221-3A01-E40D-4B2E-C43489394AB3}"/>
               </a:ext>
             </a:extLst>
           </p:cNvPr>
@@ -2645,7 +2645,7 @@
           <p:cNvPr id="5" name="日期占位符 4">
             <a:extLst>
               <a:ext uri="{FF2B5EF4-FFF2-40B4-BE49-F238E27FC236}">
-                <a16:creationId xmlns:a16="http://schemas.microsoft.com/office/drawing/2014/main" id="{F385D5D7-39C5-B4FD-EF78-C4E0D59C0FFE}"/>
+                <a16:creationId xmlns:a16="http://schemas.microsoft.com/office/drawing/2014/main" id="{815A47C1-8666-9EFF-2808-BE13724DF779}"/>
               </a:ext>
             </a:extLst>
           </p:cNvPr>
@@ -2661,7 +2661,7 @@
           <a:bodyPr/>
           <a:lstStyle/>
           <a:p>
-            <a:fld id="{CE693B3E-90B8-4DE5-95D6-B05DCA9D3806}" type="datetimeFigureOut">
+            <a:fld id="{6BDC945E-9D4F-45A7-A5E9-856A2DEE6037}" type="datetimeFigureOut">
               <a:rPr lang="zh-CN" altLang="en-US" smtClean="0"/>
               <a:t>2024/3/10</a:t>
             </a:fld>
@@ -2674,7 +2674,7 @@
           <p:cNvPr id="6" name="页脚占位符 5">
             <a:extLst>
               <a:ext uri="{FF2B5EF4-FFF2-40B4-BE49-F238E27FC236}">
-                <a16:creationId xmlns:a16="http://schemas.microsoft.com/office/drawing/2014/main" id="{A02B0D79-7FE9-BC37-0E6C-1E5DDC236568}"/>
+                <a16:creationId xmlns:a16="http://schemas.microsoft.com/office/drawing/2014/main" id="{A81F834D-0DE4-F4F8-43FD-090AE4A6562B}"/>
               </a:ext>
             </a:extLst>
           </p:cNvPr>
@@ -2699,7 +2699,7 @@
           <p:cNvPr id="7" name="灯片编号占位符 6">
             <a:extLst>
               <a:ext uri="{FF2B5EF4-FFF2-40B4-BE49-F238E27FC236}">
-                <a16:creationId xmlns:a16="http://schemas.microsoft.com/office/drawing/2014/main" id="{3BC2BDB0-FD0C-F7D9-5B2A-5902CB3C1472}"/>
+                <a16:creationId xmlns:a16="http://schemas.microsoft.com/office/drawing/2014/main" id="{823D306E-E840-FD81-C6D6-293C70423794}"/>
               </a:ext>
             </a:extLst>
           </p:cNvPr>
@@ -2715,7 +2715,7 @@
           <a:bodyPr/>
           <a:lstStyle/>
           <a:p>
-            <a:fld id="{EBFB9826-3436-4FEA-ABD4-73B925B1F6C3}" type="slidenum">
+            <a:fld id="{16E4C6D2-CC9F-48B8-9443-13DEDEA6E0EB}" type="slidenum">
               <a:rPr lang="zh-CN" altLang="en-US" smtClean="0"/>
               <a:t>‹#›</a:t>
             </a:fld>
@@ -2726,7 +2726,7 @@
     </p:spTree>
     <p:extLst>
       <p:ext uri="{BB962C8B-B14F-4D97-AF65-F5344CB8AC3E}">
-        <p14:creationId xmlns:p14="http://schemas.microsoft.com/office/powerpoint/2010/main" val="4004905746"/>
+        <p14:creationId xmlns:p14="http://schemas.microsoft.com/office/powerpoint/2010/main" val="3994099550"/>
       </p:ext>
     </p:extLst>
   </p:cSld>
@@ -2763,7 +2763,7 @@
           <p:cNvPr id="2" name="标题占位符 1">
             <a:extLst>
               <a:ext uri="{FF2B5EF4-FFF2-40B4-BE49-F238E27FC236}">
-                <a16:creationId xmlns:a16="http://schemas.microsoft.com/office/drawing/2014/main" id="{9C1C36A1-FE12-4837-0733-CF02D9DBCEA9}"/>
+                <a16:creationId xmlns:a16="http://schemas.microsoft.com/office/drawing/2014/main" id="{5A6E99B2-11A3-7AD4-9B5D-A79A899BB607}"/>
               </a:ext>
             </a:extLst>
           </p:cNvPr>
@@ -2801,7 +2801,7 @@
           <p:cNvPr id="3" name="文本占位符 2">
             <a:extLst>
               <a:ext uri="{FF2B5EF4-FFF2-40B4-BE49-F238E27FC236}">
-                <a16:creationId xmlns:a16="http://schemas.microsoft.com/office/drawing/2014/main" id="{6664B38F-CD40-4C65-3E8C-C8D476880D52}"/>
+                <a16:creationId xmlns:a16="http://schemas.microsoft.com/office/drawing/2014/main" id="{043455F8-78DC-6B57-4A4A-6250397402DD}"/>
               </a:ext>
             </a:extLst>
           </p:cNvPr>
@@ -2868,7 +2868,7 @@
           <p:cNvPr id="4" name="日期占位符 3">
             <a:extLst>
               <a:ext uri="{FF2B5EF4-FFF2-40B4-BE49-F238E27FC236}">
-                <a16:creationId xmlns:a16="http://schemas.microsoft.com/office/drawing/2014/main" id="{2625C9F5-137D-C700-CA2C-45477ABEF346}"/>
+                <a16:creationId xmlns:a16="http://schemas.microsoft.com/office/drawing/2014/main" id="{17A7B0C7-74F2-1678-1281-ABAFB425D743}"/>
               </a:ext>
             </a:extLst>
           </p:cNvPr>
@@ -2902,7 +2902,7 @@
             </a:lvl1pPr>
           </a:lstStyle>
           <a:p>
-            <a:fld id="{CE693B3E-90B8-4DE5-95D6-B05DCA9D3806}" type="datetimeFigureOut">
+            <a:fld id="{6BDC945E-9D4F-45A7-A5E9-856A2DEE6037}" type="datetimeFigureOut">
               <a:rPr lang="zh-CN" altLang="en-US" smtClean="0"/>
               <a:t>2024/3/10</a:t>
             </a:fld>
@@ -2915,7 +2915,7 @@
           <p:cNvPr id="5" name="页脚占位符 4">
             <a:extLst>
               <a:ext uri="{FF2B5EF4-FFF2-40B4-BE49-F238E27FC236}">
-                <a16:creationId xmlns:a16="http://schemas.microsoft.com/office/drawing/2014/main" id="{F74220E7-0CFB-93DE-2FA8-2E86D0B187AA}"/>
+                <a16:creationId xmlns:a16="http://schemas.microsoft.com/office/drawing/2014/main" id="{26E352A3-7546-F71B-AACC-7A4F2ECCFE4A}"/>
               </a:ext>
             </a:extLst>
           </p:cNvPr>
@@ -2958,7 +2958,7 @@
           <p:cNvPr id="6" name="灯片编号占位符 5">
             <a:extLst>
               <a:ext uri="{FF2B5EF4-FFF2-40B4-BE49-F238E27FC236}">
-                <a16:creationId xmlns:a16="http://schemas.microsoft.com/office/drawing/2014/main" id="{E027CD9A-1D1D-36AD-F2CF-E9119809D80B}"/>
+                <a16:creationId xmlns:a16="http://schemas.microsoft.com/office/drawing/2014/main" id="{3F2CC4DB-25C5-A3F4-D5AA-11CA31609EE9}"/>
               </a:ext>
             </a:extLst>
           </p:cNvPr>
@@ -2992,7 +2992,7 @@
             </a:lvl1pPr>
           </a:lstStyle>
           <a:p>
-            <a:fld id="{EBFB9826-3436-4FEA-ABD4-73B925B1F6C3}" type="slidenum">
+            <a:fld id="{16E4C6D2-CC9F-48B8-9443-13DEDEA6E0EB}" type="slidenum">
               <a:rPr lang="zh-CN" altLang="en-US" smtClean="0"/>
               <a:t>‹#›</a:t>
             </a:fld>
@@ -3003,7 +3003,7 @@
     </p:spTree>
     <p:extLst>
       <p:ext uri="{BB962C8B-B14F-4D97-AF65-F5344CB8AC3E}">
-        <p14:creationId xmlns:p14="http://schemas.microsoft.com/office/powerpoint/2010/main" val="3938109662"/>
+        <p14:creationId xmlns:p14="http://schemas.microsoft.com/office/powerpoint/2010/main" val="942259991"/>
       </p:ext>
     </p:extLst>
   </p:cSld>
